--- a/Project_1_Data_Analytics.pptx
+++ b/Project_1_Data_Analytics.pptx
@@ -23070,36 +23070,6 @@
           </a:prstGeom>
         </p:spPr>
       </p:pic>
-      <p:pic>
-        <p:nvPicPr>
-          <p:cNvPr id="2" name="Picture 1" descr="Comparison of level of education to earning">
-            <a:extLst>
-              <a:ext uri="{FF2B5EF4-FFF2-40B4-BE49-F238E27FC236}">
-                <a16:creationId xmlns:a16="http://schemas.microsoft.com/office/drawing/2014/main" id="{D9E34831-F0D4-CC50-D805-5495931BEC3F}"/>
-              </a:ext>
-            </a:extLst>
-          </p:cNvPr>
-          <p:cNvPicPr>
-            <a:picLocks noChangeAspect="1"/>
-          </p:cNvPicPr>
-          <p:nvPr/>
-        </p:nvPicPr>
-        <p:blipFill>
-          <a:blip r:embed="rId4"/>
-          <a:stretch>
-            <a:fillRect/>
-          </a:stretch>
-        </p:blipFill>
-        <p:spPr>
-          <a:xfrm>
-            <a:off x="2855229" y="2190707"/>
-            <a:ext cx="4225851" cy="2817234"/>
-          </a:xfrm>
-          <a:prstGeom prst="rect">
-            <a:avLst/>
-          </a:prstGeom>
-        </p:spPr>
-      </p:pic>
       <p:sp>
         <p:nvSpPr>
           <p:cNvPr id="4" name="TextBox 3">
@@ -23174,6 +23144,36 @@
           </a:p>
         </p:txBody>
       </p:sp>
+      <p:pic>
+        <p:nvPicPr>
+          <p:cNvPr id="3" name="Picture 2">
+            <a:extLst>
+              <a:ext uri="{FF2B5EF4-FFF2-40B4-BE49-F238E27FC236}">
+                <a16:creationId xmlns:a16="http://schemas.microsoft.com/office/drawing/2014/main" id="{B1AB39D7-DF42-271D-35BD-1FF62B6BDB19}"/>
+              </a:ext>
+            </a:extLst>
+          </p:cNvPr>
+          <p:cNvPicPr>
+            <a:picLocks noChangeAspect="1"/>
+          </p:cNvPicPr>
+          <p:nvPr/>
+        </p:nvPicPr>
+        <p:blipFill>
+          <a:blip r:embed="rId4"/>
+          <a:stretch>
+            <a:fillRect/>
+          </a:stretch>
+        </p:blipFill>
+        <p:spPr>
+          <a:xfrm>
+            <a:off x="2855742" y="2197260"/>
+            <a:ext cx="4213274" cy="2808849"/>
+          </a:xfrm>
+          <a:prstGeom prst="rect">
+            <a:avLst/>
+          </a:prstGeom>
+        </p:spPr>
+      </p:pic>
     </p:spTree>
     <p:extLst>
       <p:ext uri="{BB962C8B-B14F-4D97-AF65-F5344CB8AC3E}">

--- a/Project_1_Data_Analytics.pptx
+++ b/Project_1_Data_Analytics.pptx
@@ -21258,132 +21258,6 @@
           </a:p>
         </p:txBody>
       </p:sp>
-      <p:grpSp>
-        <p:nvGrpSpPr>
-          <p:cNvPr id="174" name="Google Shape;174;p39"/>
-          <p:cNvGrpSpPr/>
-          <p:nvPr/>
-        </p:nvGrpSpPr>
-        <p:grpSpPr>
-          <a:xfrm>
-            <a:off x="130680" y="4791150"/>
-            <a:ext cx="268650" cy="276750"/>
-            <a:chOff x="174240" y="6388200"/>
-            <a:chExt cx="358200" cy="369000"/>
-          </a:xfrm>
-        </p:grpSpPr>
-        <p:grpSp>
-          <p:nvGrpSpPr>
-            <p:cNvPr id="175" name="Google Shape;175;p39"/>
-            <p:cNvGrpSpPr/>
-            <p:nvPr/>
-          </p:nvGrpSpPr>
-          <p:grpSpPr>
-            <a:xfrm>
-              <a:off x="174240" y="6388200"/>
-              <a:ext cx="358200" cy="369000"/>
-              <a:chOff x="174240" y="6388200"/>
-              <a:chExt cx="358200" cy="369000"/>
-            </a:xfrm>
-          </p:grpSpPr>
-          <p:cxnSp>
-            <p:nvCxnSpPr>
-              <p:cNvPr id="176" name="Google Shape;176;p39"/>
-              <p:cNvCxnSpPr/>
-              <p:nvPr/>
-            </p:nvCxnSpPr>
-            <p:spPr>
-              <a:xfrm>
-                <a:off x="174240" y="6572520"/>
-                <a:ext cx="358200" cy="0"/>
-              </a:xfrm>
-              <a:prstGeom prst="straightConnector1">
-                <a:avLst/>
-              </a:prstGeom>
-              <a:noFill/>
-              <a:ln w="9525" cap="flat" cmpd="sng">
-                <a:solidFill>
-                  <a:schemeClr val="dk1"/>
-                </a:solidFill>
-                <a:prstDash val="solid"/>
-                <a:miter lim="8000"/>
-                <a:headEnd type="none" w="sm" len="sm"/>
-                <a:tailEnd type="none" w="sm" len="sm"/>
-              </a:ln>
-            </p:spPr>
-          </p:cxnSp>
-          <p:cxnSp>
-            <p:nvCxnSpPr>
-              <p:cNvPr id="177" name="Google Shape;177;p39"/>
-              <p:cNvCxnSpPr/>
-              <p:nvPr/>
-            </p:nvCxnSpPr>
-            <p:spPr>
-              <a:xfrm rot="10800000">
-                <a:off x="353160" y="6388200"/>
-                <a:ext cx="0" cy="369000"/>
-              </a:xfrm>
-              <a:prstGeom prst="straightConnector1">
-                <a:avLst/>
-              </a:prstGeom>
-              <a:noFill/>
-              <a:ln w="9525" cap="flat" cmpd="sng">
-                <a:solidFill>
-                  <a:schemeClr val="dk1"/>
-                </a:solidFill>
-                <a:prstDash val="solid"/>
-                <a:miter lim="8000"/>
-                <a:headEnd type="none" w="sm" len="sm"/>
-                <a:tailEnd type="none" w="sm" len="sm"/>
-              </a:ln>
-            </p:spPr>
-          </p:cxnSp>
-        </p:grpSp>
-        <p:sp>
-          <p:nvSpPr>
-            <p:cNvPr id="178" name="Google Shape;178;p39"/>
-            <p:cNvSpPr/>
-            <p:nvPr/>
-          </p:nvSpPr>
-          <p:spPr>
-            <a:xfrm>
-              <a:off x="303120" y="6484680"/>
-              <a:ext cx="100440" cy="100440"/>
-            </a:xfrm>
-            <a:prstGeom prst="ellipse">
-              <a:avLst/>
-            </a:prstGeom>
-            <a:noFill/>
-            <a:ln w="9525" cap="flat" cmpd="sng">
-              <a:solidFill>
-                <a:schemeClr val="dk1"/>
-              </a:solidFill>
-              <a:prstDash val="solid"/>
-              <a:miter lim="8000"/>
-              <a:headEnd type="none" w="sm" len="sm"/>
-              <a:tailEnd type="none" w="sm" len="sm"/>
-            </a:ln>
-          </p:spPr>
-          <p:txBody>
-            <a:bodyPr spcFirstLastPara="1" wrap="square" lIns="68575" tIns="68575" rIns="68575" bIns="68575" anchor="ctr" anchorCtr="0">
-              <a:noAutofit/>
-            </a:bodyPr>
-            <a:lstStyle/>
-            <a:p>
-              <a:pPr marL="0" lvl="0" indent="0" algn="l" rtl="0">
-                <a:spcBef>
-                  <a:spcPts val="0"/>
-                </a:spcBef>
-                <a:spcAft>
-                  <a:spcPts val="0"/>
-                </a:spcAft>
-                <a:buNone/>
-              </a:pPr>
-              <a:endParaRPr/>
-            </a:p>
-          </p:txBody>
-        </p:sp>
-      </p:grpSp>
       <p:pic>
         <p:nvPicPr>
           <p:cNvPr id="2" name="Picture 1">
@@ -21406,7 +21280,7 @@
         </p:blipFill>
         <p:spPr>
           <a:xfrm>
-            <a:off x="-97812" y="2035768"/>
+            <a:off x="216675" y="2044437"/>
             <a:ext cx="5024223" cy="2911022"/>
           </a:xfrm>
           <a:prstGeom prst="rect">
@@ -21940,6 +21814,13 @@
           <a:prstGeom prst="rect">
             <a:avLst/>
           </a:prstGeom>
+          <a:effectLst>
+            <a:outerShdw blurRad="63500" sx="102000" sy="102000" algn="ctr" rotWithShape="0">
+              <a:prstClr val="black">
+                <a:alpha val="40000"/>
+              </a:prstClr>
+            </a:outerShdw>
+          </a:effectLst>
         </p:spPr>
       </p:pic>
     </p:spTree>
@@ -22326,6 +22207,13 @@
           <a:prstGeom prst="rect">
             <a:avLst/>
           </a:prstGeom>
+          <a:effectLst>
+            <a:outerShdw blurRad="63500" sx="102000" sy="102000" algn="ctr" rotWithShape="0">
+              <a:prstClr val="black">
+                <a:alpha val="40000"/>
+              </a:prstClr>
+            </a:outerShdw>
+          </a:effectLst>
         </p:spPr>
       </p:pic>
     </p:spTree>
@@ -22712,6 +22600,13 @@
           <a:prstGeom prst="rect">
             <a:avLst/>
           </a:prstGeom>
+          <a:effectLst>
+            <a:outerShdw blurRad="63500" sx="102000" sy="102000" algn="ctr" rotWithShape="0">
+              <a:prstClr val="black">
+                <a:alpha val="40000"/>
+              </a:prstClr>
+            </a:outerShdw>
+          </a:effectLst>
         </p:spPr>
       </p:pic>
     </p:spTree>
@@ -23062,8 +22957,8 @@
         </p:blipFill>
         <p:spPr>
           <a:xfrm>
-            <a:off x="-347249" y="3847795"/>
-            <a:ext cx="2288457" cy="1325926"/>
+            <a:off x="-347249" y="3619731"/>
+            <a:ext cx="2682079" cy="1553990"/>
           </a:xfrm>
           <a:prstGeom prst="rect">
             <a:avLst/>
@@ -23084,8 +22979,8 @@
         </p:nvSpPr>
         <p:spPr>
           <a:xfrm>
-            <a:off x="1941208" y="1099440"/>
-            <a:ext cx="6756566" cy="1015663"/>
+            <a:off x="2714414" y="1099440"/>
+            <a:ext cx="4775598" cy="646331"/>
           </a:xfrm>
           <a:prstGeom prst="rect">
             <a:avLst/>
@@ -23105,12 +23000,6 @@
           </a:bodyPr>
           <a:lstStyle/>
           <a:p>
-            <a:r>
-              <a:rPr lang="en-GB" sz="1200" dirty="0">
-                <a:latin typeface="Quattrocento Sans"/>
-              </a:rPr>
-              <a:t>Calculating p value (if above 0.05 then hypothesis is supported)</a:t>
-            </a:r>
             <a:br>
               <a:rPr lang="en-GB" sz="1200" dirty="0">
                 <a:latin typeface="Quattrocento Sans"/>
@@ -23120,27 +23009,13 @@
               <a:rPr lang="en-GB" sz="1200" dirty="0">
                 <a:latin typeface="Quattrocento Sans"/>
               </a:rPr>
-              <a:t>fvalue, pvalue = st.f_oneway(bach_sal['Salary'], master_sal['Salary'], phd_sal['Salary'], high_sal['Salary'],sc_sal['Salary'])</a:t>
-            </a:r>
-            <a:br>
-              <a:rPr lang="en-GB" sz="1200" dirty="0">
-                <a:latin typeface="Quattrocento Sans"/>
-              </a:rPr>
-            </a:br>
-            <a:r>
-              <a:rPr lang="en-GB" sz="1200" dirty="0">
-                <a:latin typeface="Quattrocento Sans"/>
-              </a:rPr>
-              <a:t>fvalue, pvalue</a:t>
+              <a:t>f value = 18.404786343520318, p value = 8.110425597836926e-13)</a:t>
             </a:r>
           </a:p>
           <a:p>
-            <a:r>
-              <a:rPr lang="en-GB" sz="1200" dirty="0">
-                <a:latin typeface="Quattrocento Sans"/>
-              </a:rPr>
-              <a:t>(15.579110485414866, 2.8460943269255683e-11)</a:t>
-            </a:r>
+            <a:endParaRPr lang="en-GB" sz="1200" dirty="0">
+              <a:latin typeface="Quattrocento Sans"/>
+            </a:endParaRPr>
           </a:p>
         </p:txBody>
       </p:sp>
@@ -23166,12 +23041,19 @@
         </p:blipFill>
         <p:spPr>
           <a:xfrm>
-            <a:off x="2855742" y="2197260"/>
-            <a:ext cx="4213274" cy="2808849"/>
+            <a:off x="2787678" y="1925009"/>
+            <a:ext cx="4702334" cy="3134889"/>
           </a:xfrm>
           <a:prstGeom prst="rect">
             <a:avLst/>
           </a:prstGeom>
+          <a:effectLst>
+            <a:outerShdw blurRad="63500" sx="102000" sy="102000" algn="ctr" rotWithShape="0">
+              <a:prstClr val="black">
+                <a:alpha val="40000"/>
+              </a:prstClr>
+            </a:outerShdw>
+          </a:effectLst>
         </p:spPr>
       </p:pic>
     </p:spTree>
@@ -23462,44 +23344,6 @@
           </a:p>
         </p:txBody>
       </p:sp>
-      <p:sp>
-        <p:nvSpPr>
-          <p:cNvPr id="237" name="Google Shape;237;p42"/>
-          <p:cNvSpPr/>
-          <p:nvPr/>
-        </p:nvSpPr>
-        <p:spPr>
-          <a:xfrm>
-            <a:off x="3361770" y="3715200"/>
-            <a:ext cx="4581090" cy="878580"/>
-          </a:xfrm>
-          <a:prstGeom prst="rect">
-            <a:avLst/>
-          </a:prstGeom>
-          <a:noFill/>
-          <a:ln>
-            <a:noFill/>
-          </a:ln>
-        </p:spPr>
-        <p:txBody>
-          <a:bodyPr spcFirstLastPara="1" wrap="square" lIns="68575" tIns="68575" rIns="68575" bIns="68575" anchor="ctr" anchorCtr="0">
-            <a:noAutofit/>
-          </a:bodyPr>
-          <a:lstStyle/>
-          <a:p>
-            <a:pPr marL="0" lvl="0" indent="0" algn="l" rtl="0">
-              <a:spcBef>
-                <a:spcPts val="0"/>
-              </a:spcBef>
-              <a:spcAft>
-                <a:spcPts val="0"/>
-              </a:spcAft>
-              <a:buNone/>
-            </a:pPr>
-            <a:endParaRPr/>
-          </a:p>
-        </p:txBody>
-      </p:sp>
       <p:pic>
         <p:nvPicPr>
           <p:cNvPr id="10" name="Picture 9">
@@ -23558,6 +23402,13 @@
           <a:prstGeom prst="rect">
             <a:avLst/>
           </a:prstGeom>
+          <a:effectLst>
+            <a:outerShdw blurRad="63500" sx="102000" sy="102000" algn="ctr" rotWithShape="0">
+              <a:prstClr val="black">
+                <a:alpha val="40000"/>
+              </a:prstClr>
+            </a:outerShdw>
+          </a:effectLst>
         </p:spPr>
       </p:pic>
     </p:spTree>
@@ -23969,6 +23820,13 @@
             <a:prstGeom prst="rect">
               <a:avLst/>
             </a:prstGeom>
+            <a:effectLst>
+              <a:outerShdw blurRad="63500" sx="102000" sy="102000" algn="ctr" rotWithShape="0">
+                <a:prstClr val="black">
+                  <a:alpha val="40000"/>
+                </a:prstClr>
+              </a:outerShdw>
+            </a:effectLst>
           </p:spPr>
         </p:pic>
         <p:pic>
@@ -23998,6 +23856,13 @@
             <a:prstGeom prst="rect">
               <a:avLst/>
             </a:prstGeom>
+            <a:effectLst>
+              <a:outerShdw blurRad="63500" sx="102000" sy="102000" algn="ctr" rotWithShape="0">
+                <a:prstClr val="black">
+                  <a:alpha val="40000"/>
+                </a:prstClr>
+              </a:outerShdw>
+            </a:effectLst>
           </p:spPr>
         </p:pic>
       </p:grpSp>
@@ -24391,6 +24256,13 @@
           <a:prstGeom prst="rect">
             <a:avLst/>
           </a:prstGeom>
+          <a:effectLst>
+            <a:outerShdw blurRad="63500" sx="102000" sy="102000" algn="ctr" rotWithShape="0">
+              <a:prstClr val="black">
+                <a:alpha val="40000"/>
+              </a:prstClr>
+            </a:outerShdw>
+          </a:effectLst>
         </p:spPr>
       </p:pic>
     </p:spTree>
@@ -24802,6 +24674,13 @@
             <a:prstGeom prst="rect">
               <a:avLst/>
             </a:prstGeom>
+            <a:effectLst>
+              <a:outerShdw blurRad="63500" sx="102000" sy="102000" algn="ctr" rotWithShape="0">
+                <a:prstClr val="black">
+                  <a:alpha val="40000"/>
+                </a:prstClr>
+              </a:outerShdw>
+            </a:effectLst>
           </p:spPr>
         </p:pic>
         <p:pic>
@@ -24831,6 +24710,13 @@
             <a:prstGeom prst="rect">
               <a:avLst/>
             </a:prstGeom>
+            <a:effectLst>
+              <a:outerShdw blurRad="63500" sx="102000" sy="102000" algn="ctr" rotWithShape="0">
+                <a:prstClr val="black">
+                  <a:alpha val="40000"/>
+                </a:prstClr>
+              </a:outerShdw>
+            </a:effectLst>
           </p:spPr>
         </p:pic>
       </p:grpSp>
@@ -26807,132 +26693,6 @@
           <a:chExt cx="0" cy="0"/>
         </a:xfrm>
       </p:grpSpPr>
-      <p:grpSp>
-        <p:nvGrpSpPr>
-          <p:cNvPr id="185" name="Google Shape;185;p40"/>
-          <p:cNvGrpSpPr/>
-          <p:nvPr/>
-        </p:nvGrpSpPr>
-        <p:grpSpPr>
-          <a:xfrm>
-            <a:off x="211108" y="4874004"/>
-            <a:ext cx="188221" cy="193896"/>
-            <a:chOff x="174240" y="6388200"/>
-            <a:chExt cx="358200" cy="369000"/>
-          </a:xfrm>
-        </p:grpSpPr>
-        <p:grpSp>
-          <p:nvGrpSpPr>
-            <p:cNvPr id="186" name="Google Shape;186;p40"/>
-            <p:cNvGrpSpPr/>
-            <p:nvPr/>
-          </p:nvGrpSpPr>
-          <p:grpSpPr>
-            <a:xfrm>
-              <a:off x="174240" y="6388200"/>
-              <a:ext cx="358200" cy="369000"/>
-              <a:chOff x="174240" y="6388200"/>
-              <a:chExt cx="358200" cy="369000"/>
-            </a:xfrm>
-          </p:grpSpPr>
-          <p:cxnSp>
-            <p:nvCxnSpPr>
-              <p:cNvPr id="187" name="Google Shape;187;p40"/>
-              <p:cNvCxnSpPr/>
-              <p:nvPr/>
-            </p:nvCxnSpPr>
-            <p:spPr>
-              <a:xfrm>
-                <a:off x="174240" y="6572520"/>
-                <a:ext cx="358200" cy="0"/>
-              </a:xfrm>
-              <a:prstGeom prst="straightConnector1">
-                <a:avLst/>
-              </a:prstGeom>
-              <a:noFill/>
-              <a:ln w="9525" cap="flat" cmpd="sng">
-                <a:solidFill>
-                  <a:schemeClr val="dk1"/>
-                </a:solidFill>
-                <a:prstDash val="solid"/>
-                <a:miter lim="8000"/>
-                <a:headEnd type="none" w="sm" len="sm"/>
-                <a:tailEnd type="none" w="sm" len="sm"/>
-              </a:ln>
-            </p:spPr>
-          </p:cxnSp>
-          <p:cxnSp>
-            <p:nvCxnSpPr>
-              <p:cNvPr id="188" name="Google Shape;188;p40"/>
-              <p:cNvCxnSpPr/>
-              <p:nvPr/>
-            </p:nvCxnSpPr>
-            <p:spPr>
-              <a:xfrm rot="10800000">
-                <a:off x="353160" y="6388200"/>
-                <a:ext cx="0" cy="369000"/>
-              </a:xfrm>
-              <a:prstGeom prst="straightConnector1">
-                <a:avLst/>
-              </a:prstGeom>
-              <a:noFill/>
-              <a:ln w="9525" cap="flat" cmpd="sng">
-                <a:solidFill>
-                  <a:schemeClr val="dk1"/>
-                </a:solidFill>
-                <a:prstDash val="solid"/>
-                <a:miter lim="8000"/>
-                <a:headEnd type="none" w="sm" len="sm"/>
-                <a:tailEnd type="none" w="sm" len="sm"/>
-              </a:ln>
-            </p:spPr>
-          </p:cxnSp>
-        </p:grpSp>
-        <p:sp>
-          <p:nvSpPr>
-            <p:cNvPr id="189" name="Google Shape;189;p40"/>
-            <p:cNvSpPr/>
-            <p:nvPr/>
-          </p:nvSpPr>
-          <p:spPr>
-            <a:xfrm>
-              <a:off x="303120" y="6484680"/>
-              <a:ext cx="100440" cy="100440"/>
-            </a:xfrm>
-            <a:prstGeom prst="ellipse">
-              <a:avLst/>
-            </a:prstGeom>
-            <a:noFill/>
-            <a:ln w="9525" cap="flat" cmpd="sng">
-              <a:solidFill>
-                <a:schemeClr val="dk1"/>
-              </a:solidFill>
-              <a:prstDash val="solid"/>
-              <a:miter lim="8000"/>
-              <a:headEnd type="none" w="sm" len="sm"/>
-              <a:tailEnd type="none" w="sm" len="sm"/>
-            </a:ln>
-          </p:spPr>
-          <p:txBody>
-            <a:bodyPr spcFirstLastPara="1" wrap="square" lIns="68575" tIns="68575" rIns="68575" bIns="68575" anchor="ctr" anchorCtr="0">
-              <a:noAutofit/>
-            </a:bodyPr>
-            <a:lstStyle/>
-            <a:p>
-              <a:pPr marL="0" lvl="0" indent="0" algn="l" rtl="0">
-                <a:spcBef>
-                  <a:spcPts val="0"/>
-                </a:spcBef>
-                <a:spcAft>
-                  <a:spcPts val="0"/>
-                </a:spcAft>
-                <a:buNone/>
-              </a:pPr>
-              <a:endParaRPr/>
-            </a:p>
-          </p:txBody>
-        </p:sp>
-      </p:grpSp>
       <p:sp>
         <p:nvSpPr>
           <p:cNvPr id="190" name="Google Shape;190;p40"/>
@@ -30239,7 +29999,7 @@
         </p:blipFill>
         <p:spPr>
           <a:xfrm>
-            <a:off x="-224712" y="3444012"/>
+            <a:off x="0" y="3350300"/>
             <a:ext cx="3007757" cy="1742687"/>
           </a:xfrm>
           <a:prstGeom prst="rect">
@@ -32604,7 +32364,7 @@
         </p:blipFill>
         <p:spPr>
           <a:xfrm>
-            <a:off x="-347249" y="2933261"/>
+            <a:off x="-156181" y="3034260"/>
             <a:ext cx="3866879" cy="2240460"/>
           </a:xfrm>
           <a:prstGeom prst="rect">
